--- a/web_semantics/proj2/src/web_semantiques_proj2_presentation.pptx
+++ b/web_semantics/proj2/src/web_semantiques_proj2_presentation.pptx
@@ -9,10 +9,13 @@
     <p:sldId id="257" r:id="rId3"/>
     <p:sldId id="262" r:id="rId4"/>
     <p:sldId id="263" r:id="rId5"/>
-    <p:sldId id="260" r:id="rId6"/>
-    <p:sldId id="261" r:id="rId7"/>
-    <p:sldId id="258" r:id="rId8"/>
-    <p:sldId id="259" r:id="rId9"/>
+    <p:sldId id="264" r:id="rId6"/>
+    <p:sldId id="265" r:id="rId7"/>
+    <p:sldId id="266" r:id="rId8"/>
+    <p:sldId id="260" r:id="rId9"/>
+    <p:sldId id="261" r:id="rId10"/>
+    <p:sldId id="258" r:id="rId11"/>
+    <p:sldId id="259" r:id="rId12"/>
   </p:sldIdLst>
   <p:sldSz cx="12192000" cy="6858000"/>
   <p:notesSz cx="6858000" cy="9144000"/>
@@ -111,6 +114,11 @@
       </a:defRPr>
     </a:lvl9pPr>
   </p:defaultTextStyle>
+  <p:extLst>
+    <p:ext uri="{EFAFB233-063F-42B5-8137-9DF3F51BA10A}">
+      <p15:sldGuideLst xmlns:p15="http://schemas.microsoft.com/office/powerpoint/2012/main"/>
+    </p:ext>
+  </p:extLst>
 </p:presentation>
 </file>
 
@@ -261,7 +269,7 @@
           <a:p>
             <a:fld id="{CAF95C18-08A5-4622-A846-2EFA7B890E32}" type="datetimeFigureOut">
               <a:rPr lang="en-US" smtClean="0"/>
-              <a:t>17-Dec-19</a:t>
+              <a:t>18-Dec-19</a:t>
             </a:fld>
             <a:endParaRPr lang="en-US"/>
           </a:p>
@@ -459,7 +467,7 @@
           <a:p>
             <a:fld id="{CAF95C18-08A5-4622-A846-2EFA7B890E32}" type="datetimeFigureOut">
               <a:rPr lang="en-US" smtClean="0"/>
-              <a:t>17-Dec-19</a:t>
+              <a:t>18-Dec-19</a:t>
             </a:fld>
             <a:endParaRPr lang="en-US"/>
           </a:p>
@@ -667,7 +675,7 @@
           <a:p>
             <a:fld id="{CAF95C18-08A5-4622-A846-2EFA7B890E32}" type="datetimeFigureOut">
               <a:rPr lang="en-US" smtClean="0"/>
-              <a:t>17-Dec-19</a:t>
+              <a:t>18-Dec-19</a:t>
             </a:fld>
             <a:endParaRPr lang="en-US"/>
           </a:p>
@@ -865,7 +873,7 @@
           <a:p>
             <a:fld id="{CAF95C18-08A5-4622-A846-2EFA7B890E32}" type="datetimeFigureOut">
               <a:rPr lang="en-US" smtClean="0"/>
-              <a:t>17-Dec-19</a:t>
+              <a:t>18-Dec-19</a:t>
             </a:fld>
             <a:endParaRPr lang="en-US"/>
           </a:p>
@@ -1140,7 +1148,7 @@
           <a:p>
             <a:fld id="{CAF95C18-08A5-4622-A846-2EFA7B890E32}" type="datetimeFigureOut">
               <a:rPr lang="en-US" smtClean="0"/>
-              <a:t>17-Dec-19</a:t>
+              <a:t>18-Dec-19</a:t>
             </a:fld>
             <a:endParaRPr lang="en-US"/>
           </a:p>
@@ -1405,7 +1413,7 @@
           <a:p>
             <a:fld id="{CAF95C18-08A5-4622-A846-2EFA7B890E32}" type="datetimeFigureOut">
               <a:rPr lang="en-US" smtClean="0"/>
-              <a:t>17-Dec-19</a:t>
+              <a:t>18-Dec-19</a:t>
             </a:fld>
             <a:endParaRPr lang="en-US"/>
           </a:p>
@@ -1817,7 +1825,7 @@
           <a:p>
             <a:fld id="{CAF95C18-08A5-4622-A846-2EFA7B890E32}" type="datetimeFigureOut">
               <a:rPr lang="en-US" smtClean="0"/>
-              <a:t>17-Dec-19</a:t>
+              <a:t>18-Dec-19</a:t>
             </a:fld>
             <a:endParaRPr lang="en-US"/>
           </a:p>
@@ -1958,7 +1966,7 @@
           <a:p>
             <a:fld id="{CAF95C18-08A5-4622-A846-2EFA7B890E32}" type="datetimeFigureOut">
               <a:rPr lang="en-US" smtClean="0"/>
-              <a:t>17-Dec-19</a:t>
+              <a:t>18-Dec-19</a:t>
             </a:fld>
             <a:endParaRPr lang="en-US"/>
           </a:p>
@@ -2071,7 +2079,7 @@
           <a:p>
             <a:fld id="{CAF95C18-08A5-4622-A846-2EFA7B890E32}" type="datetimeFigureOut">
               <a:rPr lang="en-US" smtClean="0"/>
-              <a:t>17-Dec-19</a:t>
+              <a:t>18-Dec-19</a:t>
             </a:fld>
             <a:endParaRPr lang="en-US"/>
           </a:p>
@@ -2382,7 +2390,7 @@
           <a:p>
             <a:fld id="{CAF95C18-08A5-4622-A846-2EFA7B890E32}" type="datetimeFigureOut">
               <a:rPr lang="en-US" smtClean="0"/>
-              <a:t>17-Dec-19</a:t>
+              <a:t>18-Dec-19</a:t>
             </a:fld>
             <a:endParaRPr lang="en-US"/>
           </a:p>
@@ -2670,7 +2678,7 @@
           <a:p>
             <a:fld id="{CAF95C18-08A5-4622-A846-2EFA7B890E32}" type="datetimeFigureOut">
               <a:rPr lang="en-US" smtClean="0"/>
-              <a:t>17-Dec-19</a:t>
+              <a:t>18-Dec-19</a:t>
             </a:fld>
             <a:endParaRPr lang="en-US"/>
           </a:p>
@@ -2911,7 +2919,7 @@
           <a:p>
             <a:fld id="{CAF95C18-08A5-4622-A846-2EFA7B890E32}" type="datetimeFigureOut">
               <a:rPr lang="en-US" smtClean="0"/>
-              <a:t>17-Dec-19</a:t>
+              <a:t>18-Dec-19</a:t>
             </a:fld>
             <a:endParaRPr lang="en-US"/>
           </a:p>
@@ -3417,6 +3425,249 @@
 </p:sld>
 </file>
 
+<file path=ppt/slides/slide10.xml><?xml version="1.0" encoding="utf-8"?>
+<p:sld xmlns:a="http://schemas.openxmlformats.org/drawingml/2006/main" xmlns:r="http://schemas.openxmlformats.org/officeDocument/2006/relationships" xmlns:p="http://schemas.openxmlformats.org/presentationml/2006/main">
+  <p:cSld>
+    <p:spTree>
+      <p:nvGrpSpPr>
+        <p:cNvPr id="1" name=""/>
+        <p:cNvGrpSpPr/>
+        <p:nvPr/>
+      </p:nvGrpSpPr>
+      <p:grpSpPr>
+        <a:xfrm>
+          <a:off x="0" y="0"/>
+          <a:ext cx="0" cy="0"/>
+          <a:chOff x="0" y="0"/>
+          <a:chExt cx="0" cy="0"/>
+        </a:xfrm>
+      </p:grpSpPr>
+      <p:sp>
+        <p:nvSpPr>
+          <p:cNvPr id="2" name="Title 1">
+            <a:extLst>
+              <a:ext uri="{FF2B5EF4-FFF2-40B4-BE49-F238E27FC236}">
+                <a16:creationId xmlns:a16="http://schemas.microsoft.com/office/drawing/2014/main" id="{BC46D1D6-76A0-46FB-BBEA-0E325B7FB2BB}"/>
+              </a:ext>
+            </a:extLst>
+          </p:cNvPr>
+          <p:cNvSpPr>
+            <a:spLocks noGrp="1"/>
+          </p:cNvSpPr>
+          <p:nvPr>
+            <p:ph type="title"/>
+          </p:nvPr>
+        </p:nvSpPr>
+        <p:spPr/>
+        <p:txBody>
+          <a:bodyPr/>
+          <a:lstStyle/>
+          <a:p>
+            <a:r>
+              <a:rPr lang="en-US" dirty="0"/>
+              <a:t>In Progress</a:t>
+            </a:r>
+          </a:p>
+        </p:txBody>
+      </p:sp>
+      <p:sp>
+        <p:nvSpPr>
+          <p:cNvPr id="3" name="Content Placeholder 2">
+            <a:extLst>
+              <a:ext uri="{FF2B5EF4-FFF2-40B4-BE49-F238E27FC236}">
+                <a16:creationId xmlns:a16="http://schemas.microsoft.com/office/drawing/2014/main" id="{0AA629A2-8435-40CB-8868-39DB5A0CA05C}"/>
+              </a:ext>
+            </a:extLst>
+          </p:cNvPr>
+          <p:cNvSpPr>
+            <a:spLocks noGrp="1"/>
+          </p:cNvSpPr>
+          <p:nvPr>
+            <p:ph idx="1"/>
+          </p:nvPr>
+        </p:nvSpPr>
+        <p:spPr/>
+        <p:txBody>
+          <a:bodyPr/>
+          <a:lstStyle/>
+          <a:p>
+            <a:r>
+              <a:rPr lang="en-US" dirty="0"/>
+              <a:t>Adding additional Class Objects to categorize disciplines</a:t>
+            </a:r>
+          </a:p>
+          <a:p>
+            <a:r>
+              <a:rPr lang="en-US" dirty="0"/>
+              <a:t>Writing rules and axioms in Protégé, testing using the reasoner</a:t>
+            </a:r>
+          </a:p>
+          <a:p>
+            <a:r>
+              <a:rPr lang="en-US" dirty="0"/>
+              <a:t>Editing triples for uploading onto </a:t>
+            </a:r>
+            <a:r>
+              <a:rPr lang="en-US" dirty="0" err="1"/>
+              <a:t>GraphDB</a:t>
+            </a:r>
+            <a:r>
+              <a:rPr lang="en-US" dirty="0"/>
+              <a:t> (parsing, reformatting) along with the ontology</a:t>
+            </a:r>
+          </a:p>
+          <a:p>
+            <a:r>
+              <a:rPr lang="en-US" dirty="0"/>
+              <a:t>Displaying queries</a:t>
+            </a:r>
+          </a:p>
+        </p:txBody>
+      </p:sp>
+    </p:spTree>
+    <p:extLst>
+      <p:ext uri="{BB962C8B-B14F-4D97-AF65-F5344CB8AC3E}">
+        <p14:creationId xmlns:p14="http://schemas.microsoft.com/office/powerpoint/2010/main" val="1878486808"/>
+      </p:ext>
+    </p:extLst>
+  </p:cSld>
+  <p:clrMapOvr>
+    <a:masterClrMapping/>
+  </p:clrMapOvr>
+</p:sld>
+</file>
+
+<file path=ppt/slides/slide11.xml><?xml version="1.0" encoding="utf-8"?>
+<p:sld xmlns:a="http://schemas.openxmlformats.org/drawingml/2006/main" xmlns:r="http://schemas.openxmlformats.org/officeDocument/2006/relationships" xmlns:p="http://schemas.openxmlformats.org/presentationml/2006/main" show="0">
+  <p:cSld>
+    <p:spTree>
+      <p:nvGrpSpPr>
+        <p:cNvPr id="1" name=""/>
+        <p:cNvGrpSpPr/>
+        <p:nvPr/>
+      </p:nvGrpSpPr>
+      <p:grpSpPr>
+        <a:xfrm>
+          <a:off x="0" y="0"/>
+          <a:ext cx="0" cy="0"/>
+          <a:chOff x="0" y="0"/>
+          <a:chExt cx="0" cy="0"/>
+        </a:xfrm>
+      </p:grpSpPr>
+      <p:sp>
+        <p:nvSpPr>
+          <p:cNvPr id="2" name="Title 1">
+            <a:extLst>
+              <a:ext uri="{FF2B5EF4-FFF2-40B4-BE49-F238E27FC236}">
+                <a16:creationId xmlns:a16="http://schemas.microsoft.com/office/drawing/2014/main" id="{1C4CF02D-AD51-4ADE-BB56-BF234A1448BA}"/>
+              </a:ext>
+            </a:extLst>
+          </p:cNvPr>
+          <p:cNvSpPr>
+            <a:spLocks noGrp="1"/>
+          </p:cNvSpPr>
+          <p:nvPr>
+            <p:ph type="title"/>
+          </p:nvPr>
+        </p:nvSpPr>
+        <p:spPr/>
+        <p:txBody>
+          <a:bodyPr/>
+          <a:lstStyle/>
+          <a:p>
+            <a:r>
+              <a:rPr lang="en-US" dirty="0"/>
+              <a:t>Additional Considerations</a:t>
+            </a:r>
+          </a:p>
+        </p:txBody>
+      </p:sp>
+      <p:sp>
+        <p:nvSpPr>
+          <p:cNvPr id="3" name="Content Placeholder 2">
+            <a:extLst>
+              <a:ext uri="{FF2B5EF4-FFF2-40B4-BE49-F238E27FC236}">
+                <a16:creationId xmlns:a16="http://schemas.microsoft.com/office/drawing/2014/main" id="{0C9C12DC-D9C4-4197-A60D-CC766A8ECBB5}"/>
+              </a:ext>
+            </a:extLst>
+          </p:cNvPr>
+          <p:cNvSpPr>
+            <a:spLocks noGrp="1"/>
+          </p:cNvSpPr>
+          <p:nvPr>
+            <p:ph idx="1"/>
+          </p:nvPr>
+        </p:nvSpPr>
+        <p:spPr/>
+        <p:txBody>
+          <a:bodyPr/>
+          <a:lstStyle/>
+          <a:p>
+            <a:r>
+              <a:rPr lang="en-US" dirty="0"/>
+              <a:t>Data Properties in Protégé (We need to turn some of the Class properties we have now (</a:t>
+            </a:r>
+            <a:r>
+              <a:rPr lang="en-US" dirty="0" err="1"/>
+              <a:t>ie</a:t>
+            </a:r>
+            <a:r>
+              <a:rPr lang="en-US" dirty="0"/>
+              <a:t>: </a:t>
+            </a:r>
+            <a:r>
+              <a:rPr lang="en-US" dirty="0" err="1"/>
+              <a:t>DateStart</a:t>
+            </a:r>
+            <a:r>
+              <a:rPr lang="en-US" dirty="0"/>
+              <a:t>) into Data Properties)</a:t>
+            </a:r>
+          </a:p>
+          <a:p>
+            <a:r>
+              <a:rPr lang="en-US" dirty="0"/>
+              <a:t>Creating more Class objects that delineate disciplines (by ourselves, as per the project)</a:t>
+            </a:r>
+          </a:p>
+          <a:p>
+            <a:r>
+              <a:rPr lang="en-US" dirty="0"/>
+              <a:t>Do all the rest of </a:t>
+            </a:r>
+            <a:r>
+              <a:rPr lang="en-US"/>
+              <a:t>the stuff</a:t>
+            </a:r>
+            <a:endParaRPr lang="en-US" dirty="0"/>
+          </a:p>
+          <a:p>
+            <a:endParaRPr lang="en-US" dirty="0"/>
+          </a:p>
+          <a:p>
+            <a:endParaRPr lang="en-US" dirty="0"/>
+          </a:p>
+          <a:p>
+            <a:endParaRPr lang="en-US" dirty="0"/>
+          </a:p>
+          <a:p>
+            <a:endParaRPr lang="en-US" dirty="0"/>
+          </a:p>
+        </p:txBody>
+      </p:sp>
+    </p:spTree>
+    <p:extLst>
+      <p:ext uri="{BB962C8B-B14F-4D97-AF65-F5344CB8AC3E}">
+        <p14:creationId xmlns:p14="http://schemas.microsoft.com/office/powerpoint/2010/main" val="1985604073"/>
+      </p:ext>
+    </p:extLst>
+  </p:cSld>
+  <p:clrMapOvr>
+    <a:masterClrMapping/>
+  </p:clrMapOvr>
+</p:sld>
+</file>
+
 <file path=ppt/slides/slide2.xml><?xml version="1.0" encoding="utf-8"?>
 <p:sld xmlns:a="http://schemas.openxmlformats.org/drawingml/2006/main" xmlns:r="http://schemas.openxmlformats.org/officeDocument/2006/relationships" xmlns:p="http://schemas.openxmlformats.org/presentationml/2006/main">
   <p:cSld>
@@ -3530,7 +3781,13 @@
           <a:p>
             <a:r>
               <a:rPr lang="en-US" dirty="0"/>
-              <a:t>Manually entered the ontology into Protégé</a:t>
+              <a:t>Examined the TTL files for potential areas of editing</a:t>
+            </a:r>
+          </a:p>
+          <a:p>
+            <a:r>
+              <a:rPr lang="en-US" dirty="0"/>
+              <a:t>Manually entered our layout as an ontology into Protégé</a:t>
             </a:r>
           </a:p>
           <a:p>
@@ -3704,6 +3961,238 @@
       </p:grpSpPr>
       <p:pic>
         <p:nvPicPr>
+          <p:cNvPr id="3" name="Picture 2">
+            <a:extLst>
+              <a:ext uri="{FF2B5EF4-FFF2-40B4-BE49-F238E27FC236}">
+                <a16:creationId xmlns:a16="http://schemas.microsoft.com/office/drawing/2014/main" id="{F4BD36A3-B8A8-4811-B85D-CDC0A96C4F83}"/>
+              </a:ext>
+            </a:extLst>
+          </p:cNvPr>
+          <p:cNvPicPr>
+            <a:picLocks noChangeAspect="1"/>
+          </p:cNvPicPr>
+          <p:nvPr/>
+        </p:nvPicPr>
+        <p:blipFill>
+          <a:blip r:embed="rId2"/>
+          <a:stretch>
+            <a:fillRect/>
+          </a:stretch>
+        </p:blipFill>
+        <p:spPr>
+          <a:xfrm>
+            <a:off x="2238375" y="509587"/>
+            <a:ext cx="7715250" cy="5838825"/>
+          </a:xfrm>
+          <a:prstGeom prst="rect">
+            <a:avLst/>
+          </a:prstGeom>
+        </p:spPr>
+      </p:pic>
+      <p:sp>
+        <p:nvSpPr>
+          <p:cNvPr id="4" name="Oval 3">
+            <a:extLst>
+              <a:ext uri="{FF2B5EF4-FFF2-40B4-BE49-F238E27FC236}">
+                <a16:creationId xmlns:a16="http://schemas.microsoft.com/office/drawing/2014/main" id="{8EA047CA-5AA0-483A-8689-FD35840DF06B}"/>
+              </a:ext>
+            </a:extLst>
+          </p:cNvPr>
+          <p:cNvSpPr/>
+          <p:nvPr/>
+        </p:nvSpPr>
+        <p:spPr>
+          <a:xfrm>
+            <a:off x="4625265" y="1633490"/>
+            <a:ext cx="2556769" cy="594804"/>
+          </a:xfrm>
+          <a:prstGeom prst="ellipse">
+            <a:avLst/>
+          </a:prstGeom>
+          <a:noFill/>
+          <a:ln>
+            <a:solidFill>
+              <a:srgbClr val="FFFF00"/>
+            </a:solidFill>
+          </a:ln>
+        </p:spPr>
+        <p:style>
+          <a:lnRef idx="2">
+            <a:schemeClr val="accent1">
+              <a:shade val="50000"/>
+            </a:schemeClr>
+          </a:lnRef>
+          <a:fillRef idx="1">
+            <a:schemeClr val="accent1"/>
+          </a:fillRef>
+          <a:effectRef idx="0">
+            <a:schemeClr val="accent1"/>
+          </a:effectRef>
+          <a:fontRef idx="minor">
+            <a:schemeClr val="lt1"/>
+          </a:fontRef>
+        </p:style>
+        <p:txBody>
+          <a:bodyPr rtlCol="0" anchor="ctr"/>
+          <a:lstStyle/>
+          <a:p>
+            <a:pPr algn="ctr"/>
+            <a:endParaRPr lang="en-US"/>
+          </a:p>
+        </p:txBody>
+      </p:sp>
+    </p:spTree>
+    <p:extLst>
+      <p:ext uri="{BB962C8B-B14F-4D97-AF65-F5344CB8AC3E}">
+        <p14:creationId xmlns:p14="http://schemas.microsoft.com/office/powerpoint/2010/main" val="3827449666"/>
+      </p:ext>
+    </p:extLst>
+  </p:cSld>
+  <p:clrMapOvr>
+    <a:masterClrMapping/>
+  </p:clrMapOvr>
+</p:sld>
+</file>
+
+<file path=ppt/slides/slide6.xml><?xml version="1.0" encoding="utf-8"?>
+<p:sld xmlns:a="http://schemas.openxmlformats.org/drawingml/2006/main" xmlns:r="http://schemas.openxmlformats.org/officeDocument/2006/relationships" xmlns:p="http://schemas.openxmlformats.org/presentationml/2006/main">
+  <p:cSld>
+    <p:spTree>
+      <p:nvGrpSpPr>
+        <p:cNvPr id="1" name=""/>
+        <p:cNvGrpSpPr/>
+        <p:nvPr/>
+      </p:nvGrpSpPr>
+      <p:grpSpPr>
+        <a:xfrm>
+          <a:off x="0" y="0"/>
+          <a:ext cx="0" cy="0"/>
+          <a:chOff x="0" y="0"/>
+          <a:chExt cx="0" cy="0"/>
+        </a:xfrm>
+      </p:grpSpPr>
+      <p:pic>
+        <p:nvPicPr>
+          <p:cNvPr id="2" name="Picture 1">
+            <a:extLst>
+              <a:ext uri="{FF2B5EF4-FFF2-40B4-BE49-F238E27FC236}">
+                <a16:creationId xmlns:a16="http://schemas.microsoft.com/office/drawing/2014/main" id="{3B42A88C-CBE3-4952-99D5-E810A5F6618D}"/>
+              </a:ext>
+            </a:extLst>
+          </p:cNvPr>
+          <p:cNvPicPr>
+            <a:picLocks noChangeAspect="1"/>
+          </p:cNvPicPr>
+          <p:nvPr/>
+        </p:nvPicPr>
+        <p:blipFill>
+          <a:blip r:embed="rId2"/>
+          <a:stretch>
+            <a:fillRect/>
+          </a:stretch>
+        </p:blipFill>
+        <p:spPr>
+          <a:xfrm>
+            <a:off x="1338262" y="2205037"/>
+            <a:ext cx="9515475" cy="2447925"/>
+          </a:xfrm>
+          <a:prstGeom prst="rect">
+            <a:avLst/>
+          </a:prstGeom>
+        </p:spPr>
+      </p:pic>
+    </p:spTree>
+    <p:extLst>
+      <p:ext uri="{BB962C8B-B14F-4D97-AF65-F5344CB8AC3E}">
+        <p14:creationId xmlns:p14="http://schemas.microsoft.com/office/powerpoint/2010/main" val="3567241061"/>
+      </p:ext>
+    </p:extLst>
+  </p:cSld>
+  <p:clrMapOvr>
+    <a:masterClrMapping/>
+  </p:clrMapOvr>
+</p:sld>
+</file>
+
+<file path=ppt/slides/slide7.xml><?xml version="1.0" encoding="utf-8"?>
+<p:sld xmlns:a="http://schemas.openxmlformats.org/drawingml/2006/main" xmlns:r="http://schemas.openxmlformats.org/officeDocument/2006/relationships" xmlns:p="http://schemas.openxmlformats.org/presentationml/2006/main">
+  <p:cSld>
+    <p:spTree>
+      <p:nvGrpSpPr>
+        <p:cNvPr id="1" name=""/>
+        <p:cNvGrpSpPr/>
+        <p:nvPr/>
+      </p:nvGrpSpPr>
+      <p:grpSpPr>
+        <a:xfrm>
+          <a:off x="0" y="0"/>
+          <a:ext cx="0" cy="0"/>
+          <a:chOff x="0" y="0"/>
+          <a:chExt cx="0" cy="0"/>
+        </a:xfrm>
+      </p:grpSpPr>
+      <p:pic>
+        <p:nvPicPr>
+          <p:cNvPr id="2" name="Picture 1">
+            <a:extLst>
+              <a:ext uri="{FF2B5EF4-FFF2-40B4-BE49-F238E27FC236}">
+                <a16:creationId xmlns:a16="http://schemas.microsoft.com/office/drawing/2014/main" id="{AA0DDFBB-148B-490E-9CF1-9C19AB4BC2D4}"/>
+              </a:ext>
+            </a:extLst>
+          </p:cNvPr>
+          <p:cNvPicPr>
+            <a:picLocks noChangeAspect="1"/>
+          </p:cNvPicPr>
+          <p:nvPr/>
+        </p:nvPicPr>
+        <p:blipFill>
+          <a:blip r:embed="rId2"/>
+          <a:stretch>
+            <a:fillRect/>
+          </a:stretch>
+        </p:blipFill>
+        <p:spPr>
+          <a:xfrm>
+            <a:off x="1576387" y="314325"/>
+            <a:ext cx="9039225" cy="6229350"/>
+          </a:xfrm>
+          <a:prstGeom prst="rect">
+            <a:avLst/>
+          </a:prstGeom>
+        </p:spPr>
+      </p:pic>
+    </p:spTree>
+    <p:extLst>
+      <p:ext uri="{BB962C8B-B14F-4D97-AF65-F5344CB8AC3E}">
+        <p14:creationId xmlns:p14="http://schemas.microsoft.com/office/powerpoint/2010/main" val="2361436064"/>
+      </p:ext>
+    </p:extLst>
+  </p:cSld>
+  <p:clrMapOvr>
+    <a:masterClrMapping/>
+  </p:clrMapOvr>
+</p:sld>
+</file>
+
+<file path=ppt/slides/slide8.xml><?xml version="1.0" encoding="utf-8"?>
+<p:sld xmlns:a="http://schemas.openxmlformats.org/drawingml/2006/main" xmlns:r="http://schemas.openxmlformats.org/officeDocument/2006/relationships" xmlns:p="http://schemas.openxmlformats.org/presentationml/2006/main">
+  <p:cSld>
+    <p:spTree>
+      <p:nvGrpSpPr>
+        <p:cNvPr id="1" name=""/>
+        <p:cNvGrpSpPr/>
+        <p:nvPr/>
+      </p:nvGrpSpPr>
+      <p:grpSpPr>
+        <a:xfrm>
+          <a:off x="0" y="0"/>
+          <a:ext cx="0" cy="0"/>
+          <a:chOff x="0" y="0"/>
+          <a:chExt cx="0" cy="0"/>
+        </a:xfrm>
+      </p:grpSpPr>
+      <p:pic>
+        <p:nvPicPr>
           <p:cNvPr id="5" name="Content Placeholder 4">
             <a:extLst>
               <a:ext uri="{FF2B5EF4-FFF2-40B4-BE49-F238E27FC236}">
@@ -3747,7 +4236,7 @@
 </p:sld>
 </file>
 
-<file path=ppt/slides/slide6.xml><?xml version="1.0" encoding="utf-8"?>
+<file path=ppt/slides/slide9.xml><?xml version="1.0" encoding="utf-8"?>
 <p:sld xmlns:a="http://schemas.openxmlformats.org/drawingml/2006/main" xmlns:r="http://schemas.openxmlformats.org/officeDocument/2006/relationships" xmlns:p="http://schemas.openxmlformats.org/presentationml/2006/main">
   <p:cSld>
     <p:spTree>
@@ -3798,215 +4287,6 @@
     <p:extLst>
       <p:ext uri="{BB962C8B-B14F-4D97-AF65-F5344CB8AC3E}">
         <p14:creationId xmlns:p14="http://schemas.microsoft.com/office/powerpoint/2010/main" val="2873875335"/>
-      </p:ext>
-    </p:extLst>
-  </p:cSld>
-  <p:clrMapOvr>
-    <a:masterClrMapping/>
-  </p:clrMapOvr>
-</p:sld>
-</file>
-
-<file path=ppt/slides/slide7.xml><?xml version="1.0" encoding="utf-8"?>
-<p:sld xmlns:a="http://schemas.openxmlformats.org/drawingml/2006/main" xmlns:r="http://schemas.openxmlformats.org/officeDocument/2006/relationships" xmlns:p="http://schemas.openxmlformats.org/presentationml/2006/main">
-  <p:cSld>
-    <p:spTree>
-      <p:nvGrpSpPr>
-        <p:cNvPr id="1" name=""/>
-        <p:cNvGrpSpPr/>
-        <p:nvPr/>
-      </p:nvGrpSpPr>
-      <p:grpSpPr>
-        <a:xfrm>
-          <a:off x="0" y="0"/>
-          <a:ext cx="0" cy="0"/>
-          <a:chOff x="0" y="0"/>
-          <a:chExt cx="0" cy="0"/>
-        </a:xfrm>
-      </p:grpSpPr>
-      <p:sp>
-        <p:nvSpPr>
-          <p:cNvPr id="2" name="Title 1">
-            <a:extLst>
-              <a:ext uri="{FF2B5EF4-FFF2-40B4-BE49-F238E27FC236}">
-                <a16:creationId xmlns:a16="http://schemas.microsoft.com/office/drawing/2014/main" id="{BC46D1D6-76A0-46FB-BBEA-0E325B7FB2BB}"/>
-              </a:ext>
-            </a:extLst>
-          </p:cNvPr>
-          <p:cNvSpPr>
-            <a:spLocks noGrp="1"/>
-          </p:cNvSpPr>
-          <p:nvPr>
-            <p:ph type="title"/>
-          </p:nvPr>
-        </p:nvSpPr>
-        <p:spPr/>
-        <p:txBody>
-          <a:bodyPr/>
-          <a:lstStyle/>
-          <a:p>
-            <a:r>
-              <a:rPr lang="en-US" dirty="0"/>
-              <a:t>In Progress</a:t>
-            </a:r>
-          </a:p>
-        </p:txBody>
-      </p:sp>
-      <p:sp>
-        <p:nvSpPr>
-          <p:cNvPr id="3" name="Content Placeholder 2">
-            <a:extLst>
-              <a:ext uri="{FF2B5EF4-FFF2-40B4-BE49-F238E27FC236}">
-                <a16:creationId xmlns:a16="http://schemas.microsoft.com/office/drawing/2014/main" id="{0AA629A2-8435-40CB-8868-39DB5A0CA05C}"/>
-              </a:ext>
-            </a:extLst>
-          </p:cNvPr>
-          <p:cNvSpPr>
-            <a:spLocks noGrp="1"/>
-          </p:cNvSpPr>
-          <p:nvPr>
-            <p:ph idx="1"/>
-          </p:nvPr>
-        </p:nvSpPr>
-        <p:spPr/>
-        <p:txBody>
-          <a:bodyPr/>
-          <a:lstStyle/>
-          <a:p>
-            <a:r>
-              <a:rPr lang="en-US" dirty="0"/>
-              <a:t>Writing rules and axioms in Protégé</a:t>
-            </a:r>
-          </a:p>
-          <a:p>
-            <a:r>
-              <a:rPr lang="en-US" dirty="0"/>
-              <a:t>Testing ontology by loading sample triples (manually)</a:t>
-            </a:r>
-          </a:p>
-          <a:p>
-            <a:r>
-              <a:rPr lang="en-US" dirty="0"/>
-              <a:t>Testing the reasoner by running “reasoner” in Protégé</a:t>
-            </a:r>
-          </a:p>
-          <a:p>
-            <a:r>
-              <a:rPr lang="en-US" dirty="0"/>
-              <a:t>Editing triples for uploading onto </a:t>
-            </a:r>
-            <a:r>
-              <a:rPr lang="en-US" dirty="0" err="1"/>
-              <a:t>GraphDB</a:t>
-            </a:r>
-            <a:endParaRPr lang="en-US" dirty="0"/>
-          </a:p>
-          <a:p>
-            <a:r>
-              <a:rPr lang="en-US" dirty="0"/>
-              <a:t>Transfer the ontology onto </a:t>
-            </a:r>
-            <a:r>
-              <a:rPr lang="en-US" dirty="0" err="1"/>
-              <a:t>GraphDB</a:t>
-            </a:r>
-            <a:endParaRPr lang="en-US" dirty="0"/>
-          </a:p>
-          <a:p>
-            <a:r>
-              <a:rPr lang="en-US" dirty="0"/>
-              <a:t>Putting it all together</a:t>
-            </a:r>
-          </a:p>
-        </p:txBody>
-      </p:sp>
-    </p:spTree>
-    <p:extLst>
-      <p:ext uri="{BB962C8B-B14F-4D97-AF65-F5344CB8AC3E}">
-        <p14:creationId xmlns:p14="http://schemas.microsoft.com/office/powerpoint/2010/main" val="1878486808"/>
-      </p:ext>
-    </p:extLst>
-  </p:cSld>
-  <p:clrMapOvr>
-    <a:masterClrMapping/>
-  </p:clrMapOvr>
-</p:sld>
-</file>
-
-<file path=ppt/slides/slide8.xml><?xml version="1.0" encoding="utf-8"?>
-<p:sld xmlns:a="http://schemas.openxmlformats.org/drawingml/2006/main" xmlns:r="http://schemas.openxmlformats.org/officeDocument/2006/relationships" xmlns:p="http://schemas.openxmlformats.org/presentationml/2006/main">
-  <p:cSld>
-    <p:spTree>
-      <p:nvGrpSpPr>
-        <p:cNvPr id="1" name=""/>
-        <p:cNvGrpSpPr/>
-        <p:nvPr/>
-      </p:nvGrpSpPr>
-      <p:grpSpPr>
-        <a:xfrm>
-          <a:off x="0" y="0"/>
-          <a:ext cx="0" cy="0"/>
-          <a:chOff x="0" y="0"/>
-          <a:chExt cx="0" cy="0"/>
-        </a:xfrm>
-      </p:grpSpPr>
-      <p:sp>
-        <p:nvSpPr>
-          <p:cNvPr id="2" name="Title 1">
-            <a:extLst>
-              <a:ext uri="{FF2B5EF4-FFF2-40B4-BE49-F238E27FC236}">
-                <a16:creationId xmlns:a16="http://schemas.microsoft.com/office/drawing/2014/main" id="{1C4CF02D-AD51-4ADE-BB56-BF234A1448BA}"/>
-              </a:ext>
-            </a:extLst>
-          </p:cNvPr>
-          <p:cNvSpPr>
-            <a:spLocks noGrp="1"/>
-          </p:cNvSpPr>
-          <p:nvPr>
-            <p:ph type="title"/>
-          </p:nvPr>
-        </p:nvSpPr>
-        <p:spPr/>
-        <p:txBody>
-          <a:bodyPr/>
-          <a:lstStyle/>
-          <a:p>
-            <a:r>
-              <a:rPr lang="en-US" dirty="0"/>
-              <a:t>Special Considerations</a:t>
-            </a:r>
-          </a:p>
-        </p:txBody>
-      </p:sp>
-      <p:sp>
-        <p:nvSpPr>
-          <p:cNvPr id="3" name="Content Placeholder 2">
-            <a:extLst>
-              <a:ext uri="{FF2B5EF4-FFF2-40B4-BE49-F238E27FC236}">
-                <a16:creationId xmlns:a16="http://schemas.microsoft.com/office/drawing/2014/main" id="{0C9C12DC-D9C4-4197-A60D-CC766A8ECBB5}"/>
-              </a:ext>
-            </a:extLst>
-          </p:cNvPr>
-          <p:cNvSpPr>
-            <a:spLocks noGrp="1"/>
-          </p:cNvSpPr>
-          <p:nvPr>
-            <p:ph idx="1"/>
-          </p:nvPr>
-        </p:nvSpPr>
-        <p:spPr/>
-        <p:txBody>
-          <a:bodyPr/>
-          <a:lstStyle/>
-          <a:p>
-            <a:endParaRPr lang="en-US"/>
-          </a:p>
-        </p:txBody>
-      </p:sp>
-    </p:spTree>
-    <p:extLst>
-      <p:ext uri="{BB962C8B-B14F-4D97-AF65-F5344CB8AC3E}">
-        <p14:creationId xmlns:p14="http://schemas.microsoft.com/office/powerpoint/2010/main" val="1985604073"/>
       </p:ext>
     </p:extLst>
   </p:cSld>
